--- a/pictures/HEM_expand/biye/BG-Tree.pptx
+++ b/pictures/HEM_expand/biye/BG-Tree.pptx
@@ -104,6 +104,11 @@
       </a:defRPr>
     </a:lvl9pPr>
   </p:defaultTextStyle>
+  <p:extLst>
+    <p:ext uri="{EFAFB233-063F-42B5-8137-9DF3F51BA10A}">
+      <p15:sldGuideLst xmlns:p15="http://schemas.microsoft.com/office/powerpoint/2012/main"/>
+    </p:ext>
+  </p:extLst>
 </p:presentation>
 </file>
 
@@ -254,7 +259,7 @@
           <a:p>
             <a:fld id="{43C1D70E-48F4-44A8-9BC4-982729729FA5}" type="datetimeFigureOut">
               <a:rPr lang="zh-CN" altLang="en-US" smtClean="0"/>
-              <a:t>2022/11/26</a:t>
+              <a:t>2023/1/4</a:t>
             </a:fld>
             <a:endParaRPr lang="zh-CN" altLang="en-US"/>
           </a:p>
@@ -452,7 +457,7 @@
           <a:p>
             <a:fld id="{43C1D70E-48F4-44A8-9BC4-982729729FA5}" type="datetimeFigureOut">
               <a:rPr lang="zh-CN" altLang="en-US" smtClean="0"/>
-              <a:t>2022/11/26</a:t>
+              <a:t>2023/1/4</a:t>
             </a:fld>
             <a:endParaRPr lang="zh-CN" altLang="en-US"/>
           </a:p>
@@ -660,7 +665,7 @@
           <a:p>
             <a:fld id="{43C1D70E-48F4-44A8-9BC4-982729729FA5}" type="datetimeFigureOut">
               <a:rPr lang="zh-CN" altLang="en-US" smtClean="0"/>
-              <a:t>2022/11/26</a:t>
+              <a:t>2023/1/4</a:t>
             </a:fld>
             <a:endParaRPr lang="zh-CN" altLang="en-US"/>
           </a:p>
@@ -858,7 +863,7 @@
           <a:p>
             <a:fld id="{43C1D70E-48F4-44A8-9BC4-982729729FA5}" type="datetimeFigureOut">
               <a:rPr lang="zh-CN" altLang="en-US" smtClean="0"/>
-              <a:t>2022/11/26</a:t>
+              <a:t>2023/1/4</a:t>
             </a:fld>
             <a:endParaRPr lang="zh-CN" altLang="en-US"/>
           </a:p>
@@ -1133,7 +1138,7 @@
           <a:p>
             <a:fld id="{43C1D70E-48F4-44A8-9BC4-982729729FA5}" type="datetimeFigureOut">
               <a:rPr lang="zh-CN" altLang="en-US" smtClean="0"/>
-              <a:t>2022/11/26</a:t>
+              <a:t>2023/1/4</a:t>
             </a:fld>
             <a:endParaRPr lang="zh-CN" altLang="en-US"/>
           </a:p>
@@ -1398,7 +1403,7 @@
           <a:p>
             <a:fld id="{43C1D70E-48F4-44A8-9BC4-982729729FA5}" type="datetimeFigureOut">
               <a:rPr lang="zh-CN" altLang="en-US" smtClean="0"/>
-              <a:t>2022/11/26</a:t>
+              <a:t>2023/1/4</a:t>
             </a:fld>
             <a:endParaRPr lang="zh-CN" altLang="en-US"/>
           </a:p>
@@ -1810,7 +1815,7 @@
           <a:p>
             <a:fld id="{43C1D70E-48F4-44A8-9BC4-982729729FA5}" type="datetimeFigureOut">
               <a:rPr lang="zh-CN" altLang="en-US" smtClean="0"/>
-              <a:t>2022/11/26</a:t>
+              <a:t>2023/1/4</a:t>
             </a:fld>
             <a:endParaRPr lang="zh-CN" altLang="en-US"/>
           </a:p>
@@ -1951,7 +1956,7 @@
           <a:p>
             <a:fld id="{43C1D70E-48F4-44A8-9BC4-982729729FA5}" type="datetimeFigureOut">
               <a:rPr lang="zh-CN" altLang="en-US" smtClean="0"/>
-              <a:t>2022/11/26</a:t>
+              <a:t>2023/1/4</a:t>
             </a:fld>
             <a:endParaRPr lang="zh-CN" altLang="en-US"/>
           </a:p>
@@ -2064,7 +2069,7 @@
           <a:p>
             <a:fld id="{43C1D70E-48F4-44A8-9BC4-982729729FA5}" type="datetimeFigureOut">
               <a:rPr lang="zh-CN" altLang="en-US" smtClean="0"/>
-              <a:t>2022/11/26</a:t>
+              <a:t>2023/1/4</a:t>
             </a:fld>
             <a:endParaRPr lang="zh-CN" altLang="en-US"/>
           </a:p>
@@ -2375,7 +2380,7 @@
           <a:p>
             <a:fld id="{43C1D70E-48F4-44A8-9BC4-982729729FA5}" type="datetimeFigureOut">
               <a:rPr lang="zh-CN" altLang="en-US" smtClean="0"/>
-              <a:t>2022/11/26</a:t>
+              <a:t>2023/1/4</a:t>
             </a:fld>
             <a:endParaRPr lang="zh-CN" altLang="en-US"/>
           </a:p>
@@ -2663,7 +2668,7 @@
           <a:p>
             <a:fld id="{43C1D70E-48F4-44A8-9BC4-982729729FA5}" type="datetimeFigureOut">
               <a:rPr lang="zh-CN" altLang="en-US" smtClean="0"/>
-              <a:t>2022/11/26</a:t>
+              <a:t>2023/1/4</a:t>
             </a:fld>
             <a:endParaRPr lang="zh-CN" altLang="en-US"/>
           </a:p>
@@ -2904,7 +2909,7 @@
           <a:p>
             <a:fld id="{43C1D70E-48F4-44A8-9BC4-982729729FA5}" type="datetimeFigureOut">
               <a:rPr lang="zh-CN" altLang="en-US" smtClean="0"/>
-              <a:t>2022/11/26</a:t>
+              <a:t>2023/1/4</a:t>
             </a:fld>
             <a:endParaRPr lang="zh-CN" altLang="en-US"/>
           </a:p>
@@ -3431,7 +3436,7 @@
         </p:nvSpPr>
         <p:spPr>
           <a:xfrm>
-            <a:off x="586027" y="3272266"/>
+            <a:off x="563576" y="3280873"/>
             <a:ext cx="1166301" cy="296519"/>
           </a:xfrm>
           <a:prstGeom prst="rect">
@@ -3465,10 +3470,10 @@
           <a:p>
             <a:pPr algn="ctr"/>
             <a:r>
-              <a:rPr lang="en-US" altLang="zh-CN" sz="1200" dirty="0"/>
+              <a:rPr lang="en-US" altLang="zh-CN" sz="1200" b="1" dirty="0"/>
               <a:t>0~0.25</a:t>
             </a:r>
-            <a:endParaRPr lang="zh-CN" altLang="en-US" sz="1200" dirty="0"/>
+            <a:endParaRPr lang="zh-CN" altLang="en-US" sz="1200" b="1" dirty="0"/>
           </a:p>
         </p:txBody>
       </p:sp>
@@ -3490,8 +3495,8 @@
         </p:nvCxnSpPr>
         <p:spPr>
           <a:xfrm flipH="1">
-            <a:off x="1169178" y="2853228"/>
-            <a:ext cx="583149" cy="419038"/>
+            <a:off x="1146727" y="2853228"/>
+            <a:ext cx="605600" cy="427645"/>
           </a:xfrm>
           <a:prstGeom prst="straightConnector1">
             <a:avLst/>
@@ -3954,8 +3959,8 @@
         </p:nvSpPr>
         <p:spPr>
           <a:xfrm>
-            <a:off x="2425282" y="4163219"/>
-            <a:ext cx="1184916" cy="294724"/>
+            <a:off x="2438608" y="4154168"/>
+            <a:ext cx="1226611" cy="294724"/>
           </a:xfrm>
           <a:prstGeom prst="rect">
             <a:avLst/>
@@ -3989,10 +3994,10 @@
           <a:p>
             <a:pPr algn="ctr"/>
             <a:r>
-              <a:rPr lang="en-US" altLang="zh-CN" sz="1200" dirty="0"/>
+              <a:rPr lang="en-US" altLang="zh-CN" sz="1200" b="1" dirty="0"/>
               <a:t>      H: 0.25~0.5</a:t>
             </a:r>
-            <a:endParaRPr lang="zh-CN" altLang="en-US" sz="1200" dirty="0"/>
+            <a:endParaRPr lang="zh-CN" altLang="en-US" sz="1200" b="1" dirty="0"/>
           </a:p>
         </p:txBody>
       </p:sp>
@@ -4014,8 +4019,8 @@
         </p:nvCxnSpPr>
         <p:spPr>
           <a:xfrm flipH="1">
-            <a:off x="1698118" y="3001487"/>
-            <a:ext cx="637360" cy="1160829"/>
+            <a:off x="1640268" y="3001487"/>
+            <a:ext cx="695210" cy="1159676"/>
           </a:xfrm>
           <a:prstGeom prst="straightConnector1">
             <a:avLst/>
@@ -4061,7 +4066,7 @@
         <p:spPr>
           <a:xfrm>
             <a:off x="2335478" y="3001487"/>
-            <a:ext cx="682262" cy="1161732"/>
+            <a:ext cx="716436" cy="1152681"/>
           </a:xfrm>
           <a:prstGeom prst="straightConnector1">
             <a:avLst/>
@@ -4136,10 +4141,10 @@
           <a:p>
             <a:pPr algn="ctr"/>
             <a:r>
-              <a:rPr lang="en-US" altLang="zh-CN" sz="1200" dirty="0"/>
+              <a:rPr lang="en-US" altLang="zh-CN" sz="1200" b="1" dirty="0"/>
               <a:t>0~0.5</a:t>
             </a:r>
-            <a:endParaRPr lang="zh-CN" altLang="en-US" sz="1200" dirty="0"/>
+            <a:endParaRPr lang="zh-CN" altLang="en-US" sz="1200" b="1" dirty="0"/>
           </a:p>
         </p:txBody>
       </p:sp>
@@ -4191,10 +4196,10 @@
           <a:p>
             <a:pPr algn="ctr"/>
             <a:r>
-              <a:rPr lang="en-US" altLang="zh-CN" sz="1200" dirty="0"/>
+              <a:rPr lang="en-US" altLang="zh-CN" sz="1200" b="1" dirty="0"/>
               <a:t>0.25~0.5</a:t>
             </a:r>
-            <a:endParaRPr lang="zh-CN" altLang="en-US" sz="1200" dirty="0"/>
+            <a:endParaRPr lang="zh-CN" altLang="en-US" sz="1200" b="1" dirty="0"/>
           </a:p>
         </p:txBody>
       </p:sp>
@@ -4246,10 +4251,10 @@
           <a:p>
             <a:pPr algn="ctr"/>
             <a:r>
-              <a:rPr lang="en-US" altLang="zh-CN" sz="1200" dirty="0"/>
+              <a:rPr lang="en-US" altLang="zh-CN" sz="1200" b="1" dirty="0"/>
               <a:t>0~1</a:t>
             </a:r>
-            <a:endParaRPr lang="zh-CN" altLang="en-US" sz="1200" dirty="0"/>
+            <a:endParaRPr lang="zh-CN" altLang="en-US" sz="1200" b="1" dirty="0"/>
           </a:p>
         </p:txBody>
       </p:sp>
@@ -4301,10 +4306,10 @@
           <a:p>
             <a:pPr algn="ctr"/>
             <a:r>
-              <a:rPr lang="en-US" altLang="zh-CN" sz="1200" dirty="0"/>
+              <a:rPr lang="en-US" altLang="zh-CN" sz="1200" b="1" dirty="0"/>
               <a:t>0.5~1</a:t>
             </a:r>
-            <a:endParaRPr lang="zh-CN" altLang="en-US" sz="1200" dirty="0"/>
+            <a:endParaRPr lang="zh-CN" altLang="en-US" sz="1200" b="1" dirty="0"/>
           </a:p>
         </p:txBody>
       </p:sp>
@@ -4356,10 +4361,10 @@
           <a:p>
             <a:pPr algn="ctr"/>
             <a:r>
-              <a:rPr lang="en-US" altLang="zh-CN" sz="1200" dirty="0"/>
+              <a:rPr lang="en-US" altLang="zh-CN" sz="1200" b="1" dirty="0"/>
               <a:t>0.5~0.75</a:t>
             </a:r>
-            <a:endParaRPr lang="zh-CN" altLang="en-US" sz="1200" dirty="0"/>
+            <a:endParaRPr lang="zh-CN" altLang="en-US" sz="1200" b="1" dirty="0"/>
           </a:p>
         </p:txBody>
       </p:sp>
@@ -4411,10 +4416,10 @@
           <a:p>
             <a:pPr algn="ctr"/>
             <a:r>
-              <a:rPr lang="en-US" altLang="zh-CN" sz="1200" dirty="0"/>
+              <a:rPr lang="en-US" altLang="zh-CN" sz="1200" b="1" dirty="0"/>
               <a:t>     0.75~1</a:t>
             </a:r>
-            <a:endParaRPr lang="zh-CN" altLang="en-US" sz="1200" dirty="0"/>
+            <a:endParaRPr lang="zh-CN" altLang="en-US" sz="1200" b="1" dirty="0"/>
           </a:p>
         </p:txBody>
       </p:sp>
@@ -4432,7 +4437,7 @@
         </p:nvSpPr>
         <p:spPr>
           <a:xfrm>
-            <a:off x="1105660" y="4162316"/>
+            <a:off x="1047810" y="4161163"/>
             <a:ext cx="1184916" cy="294724"/>
           </a:xfrm>
           <a:prstGeom prst="rect">
@@ -4467,10 +4472,10 @@
           <a:p>
             <a:pPr algn="ctr"/>
             <a:r>
-              <a:rPr lang="en-US" altLang="zh-CN" sz="1200" dirty="0"/>
+              <a:rPr lang="en-US" altLang="zh-CN" sz="1200" b="1" dirty="0"/>
               <a:t>    L: 0~0.25</a:t>
             </a:r>
-            <a:endParaRPr lang="zh-CN" altLang="en-US" sz="1200" dirty="0"/>
+            <a:endParaRPr lang="zh-CN" altLang="en-US" sz="1200" b="1" dirty="0"/>
           </a:p>
         </p:txBody>
       </p:sp>
@@ -4523,10 +4528,10 @@
           <a:p>
             <a:pPr algn="ctr"/>
             <a:r>
-              <a:rPr lang="en-US" altLang="zh-CN" sz="1200" dirty="0"/>
+              <a:rPr lang="en-US" altLang="zh-CN" sz="1200" b="1" dirty="0"/>
               <a:t>     H: 0.75~1</a:t>
             </a:r>
-            <a:endParaRPr lang="zh-CN" altLang="en-US" sz="1200" dirty="0"/>
+            <a:endParaRPr lang="zh-CN" altLang="en-US" sz="1200" b="1" dirty="0"/>
           </a:p>
         </p:txBody>
       </p:sp>
@@ -4671,10 +4676,10 @@
           <a:p>
             <a:pPr algn="ctr"/>
             <a:r>
-              <a:rPr lang="en-US" altLang="zh-CN" sz="1200" dirty="0"/>
+              <a:rPr lang="en-US" altLang="zh-CN" sz="1200" b="1" dirty="0"/>
               <a:t>    L: 0.5~0.75</a:t>
             </a:r>
-            <a:endParaRPr lang="zh-CN" altLang="en-US" sz="1200" dirty="0"/>
+            <a:endParaRPr lang="zh-CN" altLang="en-US" sz="1200" b="1" dirty="0"/>
           </a:p>
         </p:txBody>
       </p:sp>
@@ -4727,10 +4732,10 @@
           <a:p>
             <a:pPr algn="ctr"/>
             <a:r>
-              <a:rPr lang="en-US" altLang="zh-CN" sz="1200" dirty="0"/>
+              <a:rPr lang="en-US" altLang="zh-CN" sz="1200" b="1" dirty="0"/>
               <a:t>    H: 0.5~1</a:t>
             </a:r>
-            <a:endParaRPr lang="zh-CN" altLang="en-US" sz="1200" dirty="0"/>
+            <a:endParaRPr lang="zh-CN" altLang="en-US" sz="1200" b="1" dirty="0"/>
           </a:p>
         </p:txBody>
       </p:sp>
@@ -4783,10 +4788,10 @@
           <a:p>
             <a:pPr algn="ctr"/>
             <a:r>
-              <a:rPr lang="en-US" altLang="zh-CN" sz="1200" dirty="0"/>
+              <a:rPr lang="en-US" altLang="zh-CN" sz="1200" b="1" dirty="0"/>
               <a:t>L: 0~0.5</a:t>
             </a:r>
-            <a:endParaRPr lang="zh-CN" altLang="en-US" sz="1200" dirty="0"/>
+            <a:endParaRPr lang="zh-CN" altLang="en-US" sz="1200" b="1" dirty="0"/>
           </a:p>
         </p:txBody>
       </p:sp>
@@ -4839,10 +4844,10 @@
           <a:p>
             <a:pPr algn="ctr"/>
             <a:r>
-              <a:rPr lang="en-US" altLang="zh-CN" sz="1200" dirty="0"/>
+              <a:rPr lang="en-US" altLang="zh-CN" sz="1200" b="1" dirty="0"/>
               <a:t>    L: 0.25~0.5</a:t>
             </a:r>
-            <a:endParaRPr lang="zh-CN" altLang="en-US" sz="1200" dirty="0"/>
+            <a:endParaRPr lang="zh-CN" altLang="en-US" sz="1200" b="1" dirty="0"/>
           </a:p>
         </p:txBody>
       </p:sp>
@@ -4895,10 +4900,10 @@
           <a:p>
             <a:pPr algn="ctr"/>
             <a:r>
-              <a:rPr lang="en-US" altLang="zh-CN" sz="1200" dirty="0"/>
+              <a:rPr lang="en-US" altLang="zh-CN" sz="1200" b="1" dirty="0"/>
               <a:t>      L: 0~0.25</a:t>
             </a:r>
-            <a:endParaRPr lang="zh-CN" altLang="en-US" sz="1200" dirty="0"/>
+            <a:endParaRPr lang="zh-CN" altLang="en-US" sz="1200" b="1" dirty="0"/>
           </a:p>
         </p:txBody>
       </p:sp>
@@ -4951,10 +4956,10 @@
           <a:p>
             <a:pPr algn="ctr"/>
             <a:r>
-              <a:rPr lang="en-US" altLang="zh-CN" sz="1200" dirty="0"/>
+              <a:rPr lang="en-US" altLang="zh-CN" sz="1200" b="1" dirty="0"/>
               <a:t>      H: 0.75~1</a:t>
             </a:r>
-            <a:endParaRPr lang="zh-CN" altLang="en-US" sz="1200" dirty="0"/>
+            <a:endParaRPr lang="zh-CN" altLang="en-US" sz="1200" b="1" dirty="0"/>
           </a:p>
         </p:txBody>
       </p:sp>
@@ -5007,10 +5012,10 @@
           <a:p>
             <a:pPr algn="ctr"/>
             <a:r>
-              <a:rPr lang="en-US" altLang="zh-CN" sz="1200" dirty="0"/>
+              <a:rPr lang="en-US" altLang="zh-CN" sz="1200" b="1" dirty="0"/>
               <a:t>    H: 0.5~0.75</a:t>
             </a:r>
-            <a:endParaRPr lang="zh-CN" altLang="en-US" sz="1200" dirty="0"/>
+            <a:endParaRPr lang="zh-CN" altLang="en-US" sz="1200" b="1" dirty="0"/>
           </a:p>
         </p:txBody>
       </p:sp>
@@ -5059,10 +5064,10 @@
           <a:p>
             <a:pPr algn="ctr"/>
             <a:r>
-              <a:rPr lang="en-US" altLang="zh-CN" dirty="0"/>
+              <a:rPr lang="en-US" altLang="zh-CN" sz="1600" b="1" dirty="0"/>
               <a:t>1</a:t>
             </a:r>
-            <a:endParaRPr lang="zh-CN" altLang="en-US" dirty="0"/>
+            <a:endParaRPr lang="zh-CN" altLang="en-US" sz="1600" b="1" dirty="0"/>
           </a:p>
         </p:txBody>
       </p:sp>
@@ -5111,10 +5116,10 @@
           <a:p>
             <a:pPr algn="ctr"/>
             <a:r>
-              <a:rPr lang="en-US" altLang="zh-CN" dirty="0"/>
+              <a:rPr lang="en-US" altLang="zh-CN" sz="1600" b="1" dirty="0"/>
               <a:t>2</a:t>
             </a:r>
-            <a:endParaRPr lang="zh-CN" altLang="en-US" dirty="0"/>
+            <a:endParaRPr lang="zh-CN" altLang="en-US" sz="1600" b="1" dirty="0"/>
           </a:p>
         </p:txBody>
       </p:sp>
@@ -5134,7 +5139,7 @@
         </p:nvSpPr>
         <p:spPr>
           <a:xfrm>
-            <a:off x="609514" y="3289824"/>
+            <a:off x="563576" y="3293747"/>
             <a:ext cx="278351" cy="278351"/>
           </a:xfrm>
           <a:prstGeom prst="ellipse">
@@ -5163,10 +5168,10 @@
           <a:p>
             <a:pPr algn="ctr"/>
             <a:r>
-              <a:rPr lang="en-US" altLang="zh-CN" dirty="0"/>
+              <a:rPr lang="en-US" altLang="zh-CN" b="1" dirty="0"/>
               <a:t>3</a:t>
             </a:r>
-            <a:endParaRPr lang="zh-CN" altLang="en-US" dirty="0"/>
+            <a:endParaRPr lang="zh-CN" altLang="en-US" b="1" dirty="0"/>
           </a:p>
         </p:txBody>
       </p:sp>
@@ -5186,7 +5191,7 @@
         </p:nvSpPr>
         <p:spPr>
           <a:xfrm>
-            <a:off x="1110431" y="4169351"/>
+            <a:off x="1059116" y="4166750"/>
             <a:ext cx="278351" cy="278351"/>
           </a:xfrm>
           <a:prstGeom prst="ellipse">
@@ -5215,10 +5220,10 @@
           <a:p>
             <a:pPr algn="ctr"/>
             <a:r>
-              <a:rPr lang="en-US" altLang="zh-CN" dirty="0"/>
+              <a:rPr lang="en-US" altLang="zh-CN" b="1" dirty="0"/>
               <a:t>4</a:t>
             </a:r>
-            <a:endParaRPr lang="zh-CN" altLang="en-US" dirty="0"/>
+            <a:endParaRPr lang="zh-CN" altLang="en-US" b="1" dirty="0"/>
           </a:p>
         </p:txBody>
       </p:sp>
@@ -5267,10 +5272,10 @@
           <a:p>
             <a:pPr algn="ctr"/>
             <a:r>
-              <a:rPr lang="en-US" altLang="zh-CN" dirty="0"/>
+              <a:rPr lang="en-US" altLang="zh-CN" sz="1600" b="1" dirty="0"/>
               <a:t>6</a:t>
             </a:r>
-            <a:endParaRPr lang="zh-CN" altLang="en-US" dirty="0"/>
+            <a:endParaRPr lang="zh-CN" altLang="en-US" sz="1600" b="1" dirty="0"/>
           </a:p>
         </p:txBody>
       </p:sp>
@@ -5319,10 +5324,10 @@
           <a:p>
             <a:pPr algn="ctr"/>
             <a:r>
-              <a:rPr lang="en-US" altLang="zh-CN" dirty="0"/>
+              <a:rPr lang="en-US" altLang="zh-CN" b="1" dirty="0"/>
               <a:t>5</a:t>
             </a:r>
-            <a:endParaRPr lang="zh-CN" altLang="en-US" dirty="0"/>
+            <a:endParaRPr lang="zh-CN" altLang="en-US" b="1" dirty="0"/>
           </a:p>
         </p:txBody>
       </p:sp>
@@ -5371,10 +5376,10 @@
           <a:p>
             <a:pPr algn="ctr"/>
             <a:r>
-              <a:rPr lang="en-US" altLang="zh-CN" dirty="0"/>
+              <a:rPr lang="en-US" altLang="zh-CN" sz="1600" b="1" dirty="0"/>
               <a:t>7</a:t>
             </a:r>
-            <a:endParaRPr lang="zh-CN" altLang="en-US" dirty="0"/>
+            <a:endParaRPr lang="zh-CN" altLang="en-US" sz="1600" b="1" dirty="0"/>
           </a:p>
         </p:txBody>
       </p:sp>
@@ -5423,10 +5428,10 @@
           <a:p>
             <a:pPr algn="ctr"/>
             <a:r>
-              <a:rPr lang="en-US" altLang="zh-CN" dirty="0"/>
+              <a:rPr lang="en-US" altLang="zh-CN" b="1" dirty="0"/>
               <a:t>8</a:t>
             </a:r>
-            <a:endParaRPr lang="zh-CN" altLang="en-US" dirty="0"/>
+            <a:endParaRPr lang="zh-CN" altLang="en-US" b="1" dirty="0"/>
           </a:p>
         </p:txBody>
       </p:sp>
@@ -5475,10 +5480,10 @@
           <a:p>
             <a:pPr algn="ctr"/>
             <a:r>
-              <a:rPr lang="en-US" altLang="zh-CN" dirty="0"/>
+              <a:rPr lang="en-US" altLang="zh-CN" sz="1600" b="1" dirty="0"/>
               <a:t>9</a:t>
             </a:r>
-            <a:endParaRPr lang="zh-CN" altLang="en-US" dirty="0"/>
+            <a:endParaRPr lang="zh-CN" altLang="en-US" sz="1600" b="1" dirty="0"/>
           </a:p>
         </p:txBody>
       </p:sp>
@@ -5527,10 +5532,10 @@
           <a:p>
             <a:pPr algn="ctr"/>
             <a:r>
-              <a:rPr lang="en-US" altLang="zh-CN" sz="700" dirty="0"/>
+              <a:rPr lang="en-US" altLang="zh-CN" sz="800" b="1" dirty="0"/>
               <a:t>10</a:t>
             </a:r>
-            <a:endParaRPr lang="zh-CN" altLang="en-US" sz="700" dirty="0"/>
+            <a:endParaRPr lang="zh-CN" altLang="en-US" sz="800" b="1" dirty="0"/>
           </a:p>
         </p:txBody>
       </p:sp>
@@ -5579,10 +5584,10 @@
           <a:p>
             <a:pPr algn="ctr"/>
             <a:r>
-              <a:rPr lang="en-US" altLang="zh-CN" sz="700" dirty="0"/>
+              <a:rPr lang="en-US" altLang="zh-CN" sz="800" b="1" dirty="0"/>
               <a:t>11</a:t>
             </a:r>
-            <a:endParaRPr lang="zh-CN" altLang="en-US" sz="700" dirty="0"/>
+            <a:endParaRPr lang="zh-CN" altLang="en-US" sz="800" b="1" dirty="0"/>
           </a:p>
         </p:txBody>
       </p:sp>
@@ -5631,10 +5636,10 @@
           <a:p>
             <a:pPr algn="ctr"/>
             <a:r>
-              <a:rPr lang="en-US" altLang="zh-CN" sz="700" dirty="0"/>
+              <a:rPr lang="en-US" altLang="zh-CN" sz="800" b="1" dirty="0"/>
               <a:t>12</a:t>
             </a:r>
-            <a:endParaRPr lang="zh-CN" altLang="en-US" sz="700" dirty="0"/>
+            <a:endParaRPr lang="zh-CN" altLang="en-US" sz="800" b="1" dirty="0"/>
           </a:p>
         </p:txBody>
       </p:sp>
@@ -5683,10 +5688,10 @@
           <a:p>
             <a:pPr algn="ctr"/>
             <a:r>
-              <a:rPr lang="en-US" altLang="zh-CN" sz="700" dirty="0"/>
+              <a:rPr lang="en-US" altLang="zh-CN" sz="800" b="1" dirty="0"/>
               <a:t>13</a:t>
             </a:r>
-            <a:endParaRPr lang="zh-CN" altLang="en-US" sz="700" dirty="0"/>
+            <a:endParaRPr lang="zh-CN" altLang="en-US" sz="800" b="1" dirty="0"/>
           </a:p>
         </p:txBody>
       </p:sp>
@@ -5735,10 +5740,10 @@
           <a:p>
             <a:pPr algn="ctr"/>
             <a:r>
-              <a:rPr lang="en-US" altLang="zh-CN" sz="700" dirty="0"/>
+              <a:rPr lang="en-US" altLang="zh-CN" sz="800" b="1" dirty="0"/>
               <a:t>14</a:t>
             </a:r>
-            <a:endParaRPr lang="zh-CN" altLang="en-US" sz="700" dirty="0"/>
+            <a:endParaRPr lang="zh-CN" altLang="en-US" sz="800" b="1" dirty="0"/>
           </a:p>
         </p:txBody>
       </p:sp>
@@ -5787,10 +5792,10 @@
           <a:p>
             <a:pPr algn="ctr"/>
             <a:r>
-              <a:rPr lang="en-US" altLang="zh-CN" sz="700" dirty="0"/>
+              <a:rPr lang="en-US" altLang="zh-CN" sz="800" b="1" dirty="0"/>
               <a:t>15</a:t>
             </a:r>
-            <a:endParaRPr lang="zh-CN" altLang="en-US" sz="700" dirty="0"/>
+            <a:endParaRPr lang="zh-CN" altLang="en-US" sz="800" b="1" dirty="0"/>
           </a:p>
         </p:txBody>
       </p:sp>
@@ -5839,10 +5844,10 @@
           <a:p>
             <a:pPr algn="ctr"/>
             <a:r>
-              <a:rPr lang="en-US" altLang="zh-CN" sz="700" dirty="0"/>
+              <a:rPr lang="en-US" altLang="zh-CN" sz="800" b="1" dirty="0"/>
               <a:t>16</a:t>
             </a:r>
-            <a:endParaRPr lang="zh-CN" altLang="en-US" sz="700" dirty="0"/>
+            <a:endParaRPr lang="zh-CN" altLang="en-US" sz="800" b="1" dirty="0"/>
           </a:p>
         </p:txBody>
       </p:sp>
@@ -5891,10 +5896,10 @@
           <a:p>
             <a:pPr algn="ctr"/>
             <a:r>
-              <a:rPr lang="en-US" altLang="zh-CN" sz="700" dirty="0"/>
+              <a:rPr lang="en-US" altLang="zh-CN" sz="800" b="1" dirty="0"/>
               <a:t>17</a:t>
             </a:r>
-            <a:endParaRPr lang="zh-CN" altLang="en-US" sz="700" dirty="0"/>
+            <a:endParaRPr lang="zh-CN" altLang="en-US" sz="800" b="1" dirty="0"/>
           </a:p>
         </p:txBody>
       </p:sp>
